--- a/Modelo de Apresentação.pptx
+++ b/Modelo de Apresentação.pptx
@@ -560,7 +560,7 @@
           <a:p>
             <a:fld id="{CDD55C27-F8C6-4481-8569-CAC50CAE9F1F}" type="datetimeFigureOut">
               <a:rPr lang="pt-BR" smtClean="0"/>
-              <a:t>12/12/2024</a:t>
+              <a:t>26/02/2025</a:t>
             </a:fld>
             <a:endParaRPr lang="pt-BR"/>
           </a:p>
@@ -1034,7 +1034,7 @@
           <a:p>
             <a:fld id="{CDD55C27-F8C6-4481-8569-CAC50CAE9F1F}" type="datetimeFigureOut">
               <a:rPr lang="pt-BR" smtClean="0"/>
-              <a:t>12/12/2024</a:t>
+              <a:t>26/02/2025</a:t>
             </a:fld>
             <a:endParaRPr lang="pt-BR"/>
           </a:p>
@@ -1337,7 +1337,7 @@
           <a:p>
             <a:fld id="{CDD55C27-F8C6-4481-8569-CAC50CAE9F1F}" type="datetimeFigureOut">
               <a:rPr lang="pt-BR" smtClean="0"/>
-              <a:t>12/12/2024</a:t>
+              <a:t>26/02/2025</a:t>
             </a:fld>
             <a:endParaRPr lang="pt-BR"/>
           </a:p>
@@ -1788,7 +1788,7 @@
           <a:p>
             <a:fld id="{CDD55C27-F8C6-4481-8569-CAC50CAE9F1F}" type="datetimeFigureOut">
               <a:rPr lang="pt-BR" smtClean="0"/>
-              <a:t>12/12/2024</a:t>
+              <a:t>26/02/2025</a:t>
             </a:fld>
             <a:endParaRPr lang="pt-BR"/>
           </a:p>
@@ -1961,7 +1961,7 @@
           <a:p>
             <a:fld id="{CDD55C27-F8C6-4481-8569-CAC50CAE9F1F}" type="datetimeFigureOut">
               <a:rPr lang="pt-BR" smtClean="0"/>
-              <a:t>12/12/2024</a:t>
+              <a:t>26/02/2025</a:t>
             </a:fld>
             <a:endParaRPr lang="pt-BR"/>
           </a:p>
@@ -2098,7 +2098,7 @@
           <a:p>
             <a:fld id="{CDD55C27-F8C6-4481-8569-CAC50CAE9F1F}" type="datetimeFigureOut">
               <a:rPr lang="pt-BR" smtClean="0"/>
-              <a:t>12/12/2024</a:t>
+              <a:t>26/02/2025</a:t>
             </a:fld>
             <a:endParaRPr lang="pt-BR"/>
           </a:p>
@@ -2442,7 +2442,7 @@
           <a:p>
             <a:fld id="{CDD55C27-F8C6-4481-8569-CAC50CAE9F1F}" type="datetimeFigureOut">
               <a:rPr lang="pt-BR" smtClean="0"/>
-              <a:t>12/12/2024</a:t>
+              <a:t>26/02/2025</a:t>
             </a:fld>
             <a:endParaRPr lang="pt-BR"/>
           </a:p>
@@ -2763,7 +2763,7 @@
           <a:p>
             <a:fld id="{CDD55C27-F8C6-4481-8569-CAC50CAE9F1F}" type="datetimeFigureOut">
               <a:rPr lang="pt-BR" smtClean="0"/>
-              <a:t>12/12/2024</a:t>
+              <a:t>26/02/2025</a:t>
             </a:fld>
             <a:endParaRPr lang="pt-BR"/>
           </a:p>
@@ -3322,7 +3322,10 @@
           <a:bodyPr/>
           <a:lstStyle/>
           <a:p>
-            <a:endParaRPr lang="pt-BR"/>
+            <a:r>
+              <a:rPr lang="pt-BR"/>
+              <a:t>AA</a:t>
+            </a:r>
           </a:p>
         </p:txBody>
       </p:sp>
